--- a/СУГ-Р.pptx
+++ b/СУГ-Р.pptx
@@ -10,7 +10,8 @@
     <p:sldId id="258" r:id="rId4"/>
     <p:sldId id="259" r:id="rId5"/>
     <p:sldId id="260" r:id="rId6"/>
-    <p:sldId id="261" r:id="rId7"/>
+    <p:sldId id="262" r:id="rId7"/>
+    <p:sldId id="261" r:id="rId8"/>
   </p:sldIdLst>
   <p:sldSz cx="12192000" cy="6858000"/>
   <p:notesSz cx="6858000" cy="9144000"/>
@@ -264,7 +265,7 @@
           <a:p>
             <a:fld id="{6A4B53A7-3209-46A6-9454-F38EAC8F11E7}" type="datetimeFigureOut">
               <a:rPr lang="en-US" smtClean="0"/>
-              <a:t>3/5/2024</a:t>
+              <a:t>3/8/2024</a:t>
             </a:fld>
             <a:endParaRPr lang="en-US"/>
           </a:p>
@@ -515,7 +516,7 @@
           <a:p>
             <a:fld id="{6A4B53A7-3209-46A6-9454-F38EAC8F11E7}" type="datetimeFigureOut">
               <a:rPr lang="en-US" smtClean="0"/>
-              <a:t>3/5/2024</a:t>
+              <a:t>3/8/2024</a:t>
             </a:fld>
             <a:endParaRPr lang="en-US"/>
           </a:p>
@@ -776,7 +777,7 @@
           <a:p>
             <a:fld id="{6A4B53A7-3209-46A6-9454-F38EAC8F11E7}" type="datetimeFigureOut">
               <a:rPr lang="en-US" smtClean="0"/>
-              <a:t>3/5/2024</a:t>
+              <a:t>3/8/2024</a:t>
             </a:fld>
             <a:endParaRPr lang="en-US"/>
           </a:p>
@@ -1027,7 +1028,7 @@
           <a:p>
             <a:fld id="{6A4B53A7-3209-46A6-9454-F38EAC8F11E7}" type="datetimeFigureOut">
               <a:rPr lang="en-US" smtClean="0"/>
-              <a:t>3/5/2024</a:t>
+              <a:t>3/8/2024</a:t>
             </a:fld>
             <a:endParaRPr lang="en-US"/>
           </a:p>
@@ -1355,7 +1356,7 @@
           <a:p>
             <a:fld id="{6A4B53A7-3209-46A6-9454-F38EAC8F11E7}" type="datetimeFigureOut">
               <a:rPr lang="en-US" smtClean="0"/>
-              <a:t>3/5/2024</a:t>
+              <a:t>3/8/2024</a:t>
             </a:fld>
             <a:endParaRPr lang="en-US"/>
           </a:p>
@@ -1673,7 +1674,7 @@
           <a:p>
             <a:fld id="{6A4B53A7-3209-46A6-9454-F38EAC8F11E7}" type="datetimeFigureOut">
               <a:rPr lang="en-US" smtClean="0"/>
-              <a:t>3/5/2024</a:t>
+              <a:t>3/8/2024</a:t>
             </a:fld>
             <a:endParaRPr lang="en-US"/>
           </a:p>
@@ -2138,7 +2139,7 @@
           <a:p>
             <a:fld id="{6A4B53A7-3209-46A6-9454-F38EAC8F11E7}" type="datetimeFigureOut">
               <a:rPr lang="en-US" smtClean="0"/>
-              <a:t>3/5/2024</a:t>
+              <a:t>3/8/2024</a:t>
             </a:fld>
             <a:endParaRPr lang="en-US"/>
           </a:p>
@@ -2332,7 +2333,7 @@
           <a:p>
             <a:fld id="{6A4B53A7-3209-46A6-9454-F38EAC8F11E7}" type="datetimeFigureOut">
               <a:rPr lang="en-US" smtClean="0"/>
-              <a:t>3/5/2024</a:t>
+              <a:t>3/8/2024</a:t>
             </a:fld>
             <a:endParaRPr lang="en-US"/>
           </a:p>
@@ -2498,7 +2499,7 @@
           <a:p>
             <a:fld id="{6A4B53A7-3209-46A6-9454-F38EAC8F11E7}" type="datetimeFigureOut">
               <a:rPr lang="en-US" smtClean="0"/>
-              <a:t>3/5/2024</a:t>
+              <a:t>3/8/2024</a:t>
             </a:fld>
             <a:endParaRPr lang="en-US"/>
           </a:p>
@@ -2862,7 +2863,7 @@
           <a:p>
             <a:fld id="{6A4B53A7-3209-46A6-9454-F38EAC8F11E7}" type="datetimeFigureOut">
               <a:rPr lang="en-US" smtClean="0"/>
-              <a:t>3/5/2024</a:t>
+              <a:t>3/8/2024</a:t>
             </a:fld>
             <a:endParaRPr lang="en-US"/>
           </a:p>
@@ -3206,7 +3207,7 @@
           <a:p>
             <a:fld id="{6A4B53A7-3209-46A6-9454-F38EAC8F11E7}" type="datetimeFigureOut">
               <a:rPr lang="en-US" smtClean="0"/>
-              <a:t>3/5/2024</a:t>
+              <a:t>3/8/2024</a:t>
             </a:fld>
             <a:endParaRPr lang="en-US"/>
           </a:p>
@@ -3501,7 +3502,7 @@
             <a:fld id="{6A4B53A7-3209-46A6-9454-F38EAC8F11E7}" type="datetimeFigureOut">
               <a:rPr lang="en-US" smtClean="0"/>
               <a:pPr/>
-              <a:t>3/5/2024</a:t>
+              <a:t>3/8/2024</a:t>
             </a:fld>
             <a:endParaRPr lang="en-US" dirty="0"/>
           </a:p>
@@ -10031,6 +10032,672 @@
 <file path=ppt/slides/slide6.xml><?xml version="1.0" encoding="utf-8"?>
 <p:sld xmlns:a="http://schemas.openxmlformats.org/drawingml/2006/main" xmlns:r="http://schemas.openxmlformats.org/officeDocument/2006/relationships" xmlns:p="http://schemas.openxmlformats.org/presentationml/2006/main">
   <p:cSld>
+    <p:bg>
+      <p:bgPr>
+        <a:solidFill>
+          <a:schemeClr val="bg1"/>
+        </a:solidFill>
+        <a:effectLst/>
+      </p:bgPr>
+    </p:bg>
+    <p:spTree>
+      <p:nvGrpSpPr>
+        <p:cNvPr id="1" name=""/>
+        <p:cNvGrpSpPr/>
+        <p:nvPr/>
+      </p:nvGrpSpPr>
+      <p:grpSpPr>
+        <a:xfrm>
+          <a:off x="0" y="0"/>
+          <a:ext cx="0" cy="0"/>
+          <a:chOff x="0" y="0"/>
+          <a:chExt cx="0" cy="0"/>
+        </a:xfrm>
+      </p:grpSpPr>
+      <p:cxnSp>
+        <p:nvCxnSpPr>
+          <p:cNvPr id="10" name="Straight Connector 9">
+            <a:extLst>
+              <a:ext uri="{FF2B5EF4-FFF2-40B4-BE49-F238E27FC236}">
+                <a16:creationId xmlns:a16="http://schemas.microsoft.com/office/drawing/2014/main" id="{D1B787A8-0D67-4B7E-9B48-86BD906AB6B5}"/>
+              </a:ext>
+              <a:ext uri="{C183D7F6-B498-43B3-948B-1728B52AA6E4}">
+                <adec:decorative xmlns:adec="http://schemas.microsoft.com/office/drawing/2017/decorative" val="1"/>
+              </a:ext>
+            </a:extLst>
+          </p:cNvPr>
+          <p:cNvCxnSpPr>
+            <a:cxnSpLocks noGrp="1" noRot="1" noChangeAspect="1" noMove="1" noResize="1" noEditPoints="1" noAdjustHandles="1" noChangeArrowheads="1" noChangeShapeType="1"/>
+          </p:cNvCxnSpPr>
+          <p:nvPr>
+            <p:extLst>
+              <p:ext uri="{386F3935-93C4-4BCD-93E2-E3B085C9AB24}">
+                <p16:designElem xmlns:p16="http://schemas.microsoft.com/office/powerpoint/2015/main" val="1"/>
+              </p:ext>
+            </p:extLst>
+          </p:nvPr>
+        </p:nvCxnSpPr>
+        <p:spPr>
+          <a:xfrm>
+            <a:off x="715890" y="1114050"/>
+            <a:ext cx="0" cy="5735637"/>
+          </a:xfrm>
+          <a:prstGeom prst="line">
+            <a:avLst/>
+          </a:prstGeom>
+          <a:ln w="25400" cap="sq">
+            <a:gradFill flip="none" rotWithShape="1">
+              <a:gsLst>
+                <a:gs pos="0">
+                  <a:schemeClr val="accent2"/>
+                </a:gs>
+                <a:gs pos="100000">
+                  <a:schemeClr val="accent4"/>
+                </a:gs>
+              </a:gsLst>
+              <a:lin ang="16200000" scaled="1"/>
+              <a:tileRect/>
+            </a:gradFill>
+            <a:bevel/>
+          </a:ln>
+        </p:spPr>
+        <p:style>
+          <a:lnRef idx="1">
+            <a:schemeClr val="accent1"/>
+          </a:lnRef>
+          <a:fillRef idx="0">
+            <a:schemeClr val="accent1"/>
+          </a:fillRef>
+          <a:effectRef idx="0">
+            <a:schemeClr val="accent1"/>
+          </a:effectRef>
+          <a:fontRef idx="minor">
+            <a:schemeClr val="tx1"/>
+          </a:fontRef>
+        </p:style>
+      </p:cxnSp>
+      <p:sp>
+        <p:nvSpPr>
+          <p:cNvPr id="12" name="Rectangle 11">
+            <a:extLst>
+              <a:ext uri="{FF2B5EF4-FFF2-40B4-BE49-F238E27FC236}">
+                <a16:creationId xmlns:a16="http://schemas.microsoft.com/office/drawing/2014/main" id="{158B3569-73B2-4D05-8E95-886A6EE17F1F}"/>
+              </a:ext>
+              <a:ext uri="{C183D7F6-B498-43B3-948B-1728B52AA6E4}">
+                <adec:decorative xmlns:adec="http://schemas.microsoft.com/office/drawing/2017/decorative" val="1"/>
+              </a:ext>
+            </a:extLst>
+          </p:cNvPr>
+          <p:cNvSpPr>
+            <a:spLocks noGrp="1" noRot="1" noChangeAspect="1" noMove="1" noResize="1" noEditPoints="1" noAdjustHandles="1" noChangeArrowheads="1" noChangeShapeType="1" noTextEdit="1"/>
+          </p:cNvSpPr>
+          <p:nvPr>
+            <p:extLst>
+              <p:ext uri="{386F3935-93C4-4BCD-93E2-E3B085C9AB24}">
+                <p16:designElem xmlns:p16="http://schemas.microsoft.com/office/powerpoint/2015/main" val="1"/>
+              </p:ext>
+            </p:extLst>
+          </p:nvPr>
+        </p:nvSpPr>
+        <p:spPr>
+          <a:xfrm>
+            <a:off x="0" y="0"/>
+            <a:ext cx="12192000" cy="6858000"/>
+          </a:xfrm>
+          <a:prstGeom prst="rect">
+            <a:avLst/>
+          </a:prstGeom>
+          <a:gradFill flip="none" rotWithShape="1">
+            <a:gsLst>
+              <a:gs pos="100000">
+                <a:schemeClr val="accent4"/>
+              </a:gs>
+              <a:gs pos="0">
+                <a:schemeClr val="accent2"/>
+              </a:gs>
+            </a:gsLst>
+            <a:lin ang="2700000" scaled="1"/>
+            <a:tileRect/>
+          </a:gradFill>
+          <a:ln>
+            <a:noFill/>
+          </a:ln>
+        </p:spPr>
+        <p:style>
+          <a:lnRef idx="2">
+            <a:schemeClr val="accent1">
+              <a:shade val="50000"/>
+            </a:schemeClr>
+          </a:lnRef>
+          <a:fillRef idx="1">
+            <a:schemeClr val="accent1"/>
+          </a:fillRef>
+          <a:effectRef idx="0">
+            <a:schemeClr val="accent1"/>
+          </a:effectRef>
+          <a:fontRef idx="minor">
+            <a:schemeClr val="lt1"/>
+          </a:fontRef>
+        </p:style>
+        <p:txBody>
+          <a:bodyPr rtlCol="0" anchor="ctr"/>
+          <a:lstStyle/>
+          <a:p>
+            <a:pPr algn="ctr"/>
+            <a:endParaRPr lang="en-US"/>
+          </a:p>
+        </p:txBody>
+      </p:sp>
+      <p:sp>
+        <p:nvSpPr>
+          <p:cNvPr id="2" name="Title 1">
+            <a:extLst>
+              <a:ext uri="{FF2B5EF4-FFF2-40B4-BE49-F238E27FC236}">
+                <a16:creationId xmlns:a16="http://schemas.microsoft.com/office/drawing/2014/main" id="{F2485A9A-4523-1FA2-4C6F-7B4C00A01FF9}"/>
+              </a:ext>
+            </a:extLst>
+          </p:cNvPr>
+          <p:cNvSpPr>
+            <a:spLocks noGrp="1"/>
+          </p:cNvSpPr>
+          <p:nvPr>
+            <p:ph type="title"/>
+          </p:nvPr>
+        </p:nvSpPr>
+        <p:spPr>
+          <a:xfrm>
+            <a:off x="457200" y="1598246"/>
+            <a:ext cx="4412419" cy="3626217"/>
+          </a:xfrm>
+        </p:spPr>
+        <p:txBody>
+          <a:bodyPr vert="horz" lIns="91440" tIns="45720" rIns="91440" bIns="45720" rtlCol="0" anchor="t">
+            <a:normAutofit/>
+          </a:bodyPr>
+          <a:lstStyle/>
+          <a:p>
+            <a:pPr algn="r"/>
+            <a:r>
+              <a:rPr lang="en-US" sz="6200" b="1" i="0" kern="1200" cap="all" baseline="0">
+                <a:solidFill>
+                  <a:schemeClr val="bg1"/>
+                </a:solidFill>
+                <a:latin typeface="+mj-lt"/>
+                <a:ea typeface="+mj-ea"/>
+                <a:cs typeface="+mj-cs"/>
+              </a:rPr>
+              <a:t>Кінечний варіант матиме вигляд:</a:t>
+            </a:r>
+          </a:p>
+        </p:txBody>
+      </p:sp>
+      <p:sp>
+        <p:nvSpPr>
+          <p:cNvPr id="14" name="Graphic 17">
+            <a:extLst>
+              <a:ext uri="{FF2B5EF4-FFF2-40B4-BE49-F238E27FC236}">
+                <a16:creationId xmlns:a16="http://schemas.microsoft.com/office/drawing/2014/main" id="{B71758F4-3F46-45DA-8AC5-4E508DA080BA}"/>
+              </a:ext>
+              <a:ext uri="{C183D7F6-B498-43B3-948B-1728B52AA6E4}">
+                <adec:decorative xmlns:adec="http://schemas.microsoft.com/office/drawing/2017/decorative" val="1"/>
+              </a:ext>
+            </a:extLst>
+          </p:cNvPr>
+          <p:cNvSpPr>
+            <a:spLocks noGrp="1" noRot="1" noChangeAspect="1" noMove="1" noResize="1" noEditPoints="1" noAdjustHandles="1" noChangeArrowheads="1" noChangeShapeType="1" noTextEdit="1"/>
+          </p:cNvSpPr>
+          <p:nvPr>
+            <p:extLst>
+              <p:ext uri="{386F3935-93C4-4BCD-93E2-E3B085C9AB24}">
+                <p16:designElem xmlns:p16="http://schemas.microsoft.com/office/powerpoint/2015/main" val="1"/>
+              </p:ext>
+            </p:extLst>
+          </p:nvPr>
+        </p:nvSpPr>
+        <p:spPr>
+          <a:xfrm>
+            <a:off x="11512034" y="1267063"/>
+            <a:ext cx="139037" cy="139039"/>
+          </a:xfrm>
+          <a:custGeom>
+            <a:avLst/>
+            <a:gdLst>
+              <a:gd name="connsiteX0" fmla="*/ 129600 w 139037"/>
+              <a:gd name="connsiteY0" fmla="*/ 60082 h 139039"/>
+              <a:gd name="connsiteX1" fmla="*/ 78955 w 139037"/>
+              <a:gd name="connsiteY1" fmla="*/ 60082 h 139039"/>
+              <a:gd name="connsiteX2" fmla="*/ 78955 w 139037"/>
+              <a:gd name="connsiteY2" fmla="*/ 9437 h 139039"/>
+              <a:gd name="connsiteX3" fmla="*/ 69519 w 139037"/>
+              <a:gd name="connsiteY3" fmla="*/ 0 h 139039"/>
+              <a:gd name="connsiteX4" fmla="*/ 60082 w 139037"/>
+              <a:gd name="connsiteY4" fmla="*/ 9437 h 139039"/>
+              <a:gd name="connsiteX5" fmla="*/ 60082 w 139037"/>
+              <a:gd name="connsiteY5" fmla="*/ 60082 h 139039"/>
+              <a:gd name="connsiteX6" fmla="*/ 9437 w 139037"/>
+              <a:gd name="connsiteY6" fmla="*/ 60082 h 139039"/>
+              <a:gd name="connsiteX7" fmla="*/ 0 w 139037"/>
+              <a:gd name="connsiteY7" fmla="*/ 69520 h 139039"/>
+              <a:gd name="connsiteX8" fmla="*/ 9437 w 139037"/>
+              <a:gd name="connsiteY8" fmla="*/ 78957 h 139039"/>
+              <a:gd name="connsiteX9" fmla="*/ 60082 w 139037"/>
+              <a:gd name="connsiteY9" fmla="*/ 78957 h 139039"/>
+              <a:gd name="connsiteX10" fmla="*/ 60082 w 139037"/>
+              <a:gd name="connsiteY10" fmla="*/ 129602 h 139039"/>
+              <a:gd name="connsiteX11" fmla="*/ 69519 w 139037"/>
+              <a:gd name="connsiteY11" fmla="*/ 139039 h 139039"/>
+              <a:gd name="connsiteX12" fmla="*/ 78955 w 139037"/>
+              <a:gd name="connsiteY12" fmla="*/ 129602 h 139039"/>
+              <a:gd name="connsiteX13" fmla="*/ 78955 w 139037"/>
+              <a:gd name="connsiteY13" fmla="*/ 78957 h 139039"/>
+              <a:gd name="connsiteX14" fmla="*/ 129600 w 139037"/>
+              <a:gd name="connsiteY14" fmla="*/ 78957 h 139039"/>
+              <a:gd name="connsiteX15" fmla="*/ 139037 w 139037"/>
+              <a:gd name="connsiteY15" fmla="*/ 69520 h 139039"/>
+              <a:gd name="connsiteX16" fmla="*/ 129600 w 139037"/>
+              <a:gd name="connsiteY16" fmla="*/ 60082 h 139039"/>
+            </a:gdLst>
+            <a:ahLst/>
+            <a:cxnLst>
+              <a:cxn ang="0">
+                <a:pos x="connsiteX0" y="connsiteY0"/>
+              </a:cxn>
+              <a:cxn ang="0">
+                <a:pos x="connsiteX1" y="connsiteY1"/>
+              </a:cxn>
+              <a:cxn ang="0">
+                <a:pos x="connsiteX2" y="connsiteY2"/>
+              </a:cxn>
+              <a:cxn ang="0">
+                <a:pos x="connsiteX3" y="connsiteY3"/>
+              </a:cxn>
+              <a:cxn ang="0">
+                <a:pos x="connsiteX4" y="connsiteY4"/>
+              </a:cxn>
+              <a:cxn ang="0">
+                <a:pos x="connsiteX5" y="connsiteY5"/>
+              </a:cxn>
+              <a:cxn ang="0">
+                <a:pos x="connsiteX6" y="connsiteY6"/>
+              </a:cxn>
+              <a:cxn ang="0">
+                <a:pos x="connsiteX7" y="connsiteY7"/>
+              </a:cxn>
+              <a:cxn ang="0">
+                <a:pos x="connsiteX8" y="connsiteY8"/>
+              </a:cxn>
+              <a:cxn ang="0">
+                <a:pos x="connsiteX9" y="connsiteY9"/>
+              </a:cxn>
+              <a:cxn ang="0">
+                <a:pos x="connsiteX10" y="connsiteY10"/>
+              </a:cxn>
+              <a:cxn ang="0">
+                <a:pos x="connsiteX11" y="connsiteY11"/>
+              </a:cxn>
+              <a:cxn ang="0">
+                <a:pos x="connsiteX12" y="connsiteY12"/>
+              </a:cxn>
+              <a:cxn ang="0">
+                <a:pos x="connsiteX13" y="connsiteY13"/>
+              </a:cxn>
+              <a:cxn ang="0">
+                <a:pos x="connsiteX14" y="connsiteY14"/>
+              </a:cxn>
+              <a:cxn ang="0">
+                <a:pos x="connsiteX15" y="connsiteY15"/>
+              </a:cxn>
+              <a:cxn ang="0">
+                <a:pos x="connsiteX16" y="connsiteY16"/>
+              </a:cxn>
+            </a:cxnLst>
+            <a:rect l="l" t="t" r="r" b="b"/>
+            <a:pathLst>
+              <a:path w="139037" h="139039">
+                <a:moveTo>
+                  <a:pt x="129600" y="60082"/>
+                </a:moveTo>
+                <a:lnTo>
+                  <a:pt x="78955" y="60082"/>
+                </a:lnTo>
+                <a:lnTo>
+                  <a:pt x="78955" y="9437"/>
+                </a:lnTo>
+                <a:cubicBezTo>
+                  <a:pt x="78955" y="4225"/>
+                  <a:pt x="74730" y="0"/>
+                  <a:pt x="69519" y="0"/>
+                </a:cubicBezTo>
+                <a:cubicBezTo>
+                  <a:pt x="64307" y="0"/>
+                  <a:pt x="60082" y="4225"/>
+                  <a:pt x="60082" y="9437"/>
+                </a:cubicBezTo>
+                <a:lnTo>
+                  <a:pt x="60082" y="60082"/>
+                </a:lnTo>
+                <a:lnTo>
+                  <a:pt x="9437" y="60082"/>
+                </a:lnTo>
+                <a:cubicBezTo>
+                  <a:pt x="4225" y="60082"/>
+                  <a:pt x="0" y="64308"/>
+                  <a:pt x="0" y="69520"/>
+                </a:cubicBezTo>
+                <a:cubicBezTo>
+                  <a:pt x="0" y="74731"/>
+                  <a:pt x="4225" y="78957"/>
+                  <a:pt x="9437" y="78957"/>
+                </a:cubicBezTo>
+                <a:lnTo>
+                  <a:pt x="60082" y="78957"/>
+                </a:lnTo>
+                <a:lnTo>
+                  <a:pt x="60082" y="129602"/>
+                </a:lnTo>
+                <a:cubicBezTo>
+                  <a:pt x="60082" y="134814"/>
+                  <a:pt x="64307" y="139039"/>
+                  <a:pt x="69519" y="139039"/>
+                </a:cubicBezTo>
+                <a:cubicBezTo>
+                  <a:pt x="74730" y="139039"/>
+                  <a:pt x="78955" y="134814"/>
+                  <a:pt x="78955" y="129602"/>
+                </a:cubicBezTo>
+                <a:lnTo>
+                  <a:pt x="78955" y="78957"/>
+                </a:lnTo>
+                <a:lnTo>
+                  <a:pt x="129600" y="78957"/>
+                </a:lnTo>
+                <a:cubicBezTo>
+                  <a:pt x="134812" y="78957"/>
+                  <a:pt x="139037" y="74731"/>
+                  <a:pt x="139037" y="69520"/>
+                </a:cubicBezTo>
+                <a:cubicBezTo>
+                  <a:pt x="139037" y="64308"/>
+                  <a:pt x="134812" y="60082"/>
+                  <a:pt x="129600" y="60082"/>
+                </a:cubicBezTo>
+                <a:close/>
+              </a:path>
+            </a:pathLst>
+          </a:custGeom>
+          <a:solidFill>
+            <a:schemeClr val="bg1"/>
+          </a:solidFill>
+          <a:ln w="603" cap="flat">
+            <a:noFill/>
+            <a:prstDash val="solid"/>
+            <a:miter/>
+          </a:ln>
+        </p:spPr>
+        <p:txBody>
+          <a:bodyPr rtlCol="0" anchor="ctr"/>
+          <a:lstStyle/>
+          <a:p>
+            <a:endParaRPr lang="en-US"/>
+          </a:p>
+        </p:txBody>
+      </p:sp>
+      <p:cxnSp>
+        <p:nvCxnSpPr>
+          <p:cNvPr id="16" name="Straight Connector 15">
+            <a:extLst>
+              <a:ext uri="{FF2B5EF4-FFF2-40B4-BE49-F238E27FC236}">
+                <a16:creationId xmlns:a16="http://schemas.microsoft.com/office/drawing/2014/main" id="{56020367-4FD5-4596-8E10-C5F095CD8DBF}"/>
+              </a:ext>
+              <a:ext uri="{C183D7F6-B498-43B3-948B-1728B52AA6E4}">
+                <adec:decorative xmlns:adec="http://schemas.microsoft.com/office/drawing/2017/decorative" val="1"/>
+              </a:ext>
+            </a:extLst>
+          </p:cNvPr>
+          <p:cNvCxnSpPr>
+            <a:cxnSpLocks noGrp="1" noRot="1" noChangeAspect="1" noMove="1" noResize="1" noEditPoints="1" noAdjustHandles="1" noChangeArrowheads="1" noChangeShapeType="1"/>
+          </p:cNvCxnSpPr>
+          <p:nvPr>
+            <p:extLst>
+              <p:ext uri="{386F3935-93C4-4BCD-93E2-E3B085C9AB24}">
+                <p16:designElem xmlns:p16="http://schemas.microsoft.com/office/powerpoint/2015/main" val="1"/>
+              </p:ext>
+            </p:extLst>
+          </p:nvPr>
+        </p:nvCxnSpPr>
+        <p:spPr>
+          <a:xfrm>
+            <a:off x="5447322" y="1589368"/>
+            <a:ext cx="0" cy="5259754"/>
+          </a:xfrm>
+          <a:prstGeom prst="line">
+            <a:avLst/>
+          </a:prstGeom>
+          <a:ln w="25400" cap="sq">
+            <a:solidFill>
+              <a:schemeClr val="bg1"/>
+            </a:solidFill>
+            <a:bevel/>
+          </a:ln>
+        </p:spPr>
+        <p:style>
+          <a:lnRef idx="1">
+            <a:schemeClr val="accent1"/>
+          </a:lnRef>
+          <a:fillRef idx="0">
+            <a:schemeClr val="accent1"/>
+          </a:fillRef>
+          <a:effectRef idx="0">
+            <a:schemeClr val="accent1"/>
+          </a:effectRef>
+          <a:fontRef idx="minor">
+            <a:schemeClr val="tx1"/>
+          </a:fontRef>
+        </p:style>
+      </p:cxnSp>
+      <p:pic>
+        <p:nvPicPr>
+          <p:cNvPr id="5" name="Content Placeholder 4" descr="A diagram of a restaurant&#10;&#10;Description automatically generated">
+            <a:extLst>
+              <a:ext uri="{FF2B5EF4-FFF2-40B4-BE49-F238E27FC236}">
+                <a16:creationId xmlns:a16="http://schemas.microsoft.com/office/drawing/2014/main" id="{BE8F759B-98F6-A2E4-9E4E-980EF7DCD206}"/>
+              </a:ext>
+            </a:extLst>
+          </p:cNvPr>
+          <p:cNvPicPr>
+            <a:picLocks noGrp="1" noChangeAspect="1"/>
+          </p:cNvPicPr>
+          <p:nvPr>
+            <p:ph idx="1"/>
+          </p:nvPr>
+        </p:nvPicPr>
+        <p:blipFill>
+          <a:blip r:embed="rId2"/>
+          <a:stretch>
+            <a:fillRect/>
+          </a:stretch>
+        </p:blipFill>
+        <p:spPr>
+          <a:xfrm>
+            <a:off x="5986926" y="2158905"/>
+            <a:ext cx="5569864" cy="3662185"/>
+          </a:xfrm>
+          <a:prstGeom prst="rect">
+            <a:avLst/>
+          </a:prstGeom>
+        </p:spPr>
+      </p:pic>
+      <p:sp>
+        <p:nvSpPr>
+          <p:cNvPr id="18" name="Graphic 21">
+            <a:extLst>
+              <a:ext uri="{FF2B5EF4-FFF2-40B4-BE49-F238E27FC236}">
+                <a16:creationId xmlns:a16="http://schemas.microsoft.com/office/drawing/2014/main" id="{8D61482F-F3C5-4D66-8C5D-C6BBE3E1275C}"/>
+              </a:ext>
+              <a:ext uri="{C183D7F6-B498-43B3-948B-1728B52AA6E4}">
+                <adec:decorative xmlns:adec="http://schemas.microsoft.com/office/drawing/2017/decorative" val="1"/>
+              </a:ext>
+            </a:extLst>
+          </p:cNvPr>
+          <p:cNvSpPr>
+            <a:spLocks noGrp="1" noRot="1" noChangeAspect="1" noMove="1" noResize="1" noEditPoints="1" noAdjustHandles="1" noChangeArrowheads="1" noChangeShapeType="1" noTextEdit="1"/>
+          </p:cNvSpPr>
+          <p:nvPr>
+            <p:extLst>
+              <p:ext uri="{386F3935-93C4-4BCD-93E2-E3B085C9AB24}">
+                <p16:designElem xmlns:p16="http://schemas.microsoft.com/office/powerpoint/2015/main" val="1"/>
+              </p:ext>
+            </p:extLst>
+          </p:nvPr>
+        </p:nvSpPr>
+        <p:spPr>
+          <a:xfrm>
+            <a:off x="11752801" y="1659316"/>
+            <a:ext cx="127713" cy="127714"/>
+          </a:xfrm>
+          <a:custGeom>
+            <a:avLst/>
+            <a:gdLst>
+              <a:gd name="connsiteX0" fmla="*/ 63857 w 127713"/>
+              <a:gd name="connsiteY0" fmla="*/ 18874 h 127714"/>
+              <a:gd name="connsiteX1" fmla="*/ 108839 w 127713"/>
+              <a:gd name="connsiteY1" fmla="*/ 63857 h 127714"/>
+              <a:gd name="connsiteX2" fmla="*/ 63857 w 127713"/>
+              <a:gd name="connsiteY2" fmla="*/ 108840 h 127714"/>
+              <a:gd name="connsiteX3" fmla="*/ 18874 w 127713"/>
+              <a:gd name="connsiteY3" fmla="*/ 63857 h 127714"/>
+              <a:gd name="connsiteX4" fmla="*/ 63857 w 127713"/>
+              <a:gd name="connsiteY4" fmla="*/ 18874 h 127714"/>
+              <a:gd name="connsiteX5" fmla="*/ 63857 w 127713"/>
+              <a:gd name="connsiteY5" fmla="*/ 0 h 127714"/>
+              <a:gd name="connsiteX6" fmla="*/ 0 w 127713"/>
+              <a:gd name="connsiteY6" fmla="*/ 63857 h 127714"/>
+              <a:gd name="connsiteX7" fmla="*/ 63857 w 127713"/>
+              <a:gd name="connsiteY7" fmla="*/ 127714 h 127714"/>
+              <a:gd name="connsiteX8" fmla="*/ 127713 w 127713"/>
+              <a:gd name="connsiteY8" fmla="*/ 63857 h 127714"/>
+              <a:gd name="connsiteX9" fmla="*/ 63857 w 127713"/>
+              <a:gd name="connsiteY9" fmla="*/ 0 h 127714"/>
+            </a:gdLst>
+            <a:ahLst/>
+            <a:cxnLst>
+              <a:cxn ang="0">
+                <a:pos x="connsiteX0" y="connsiteY0"/>
+              </a:cxn>
+              <a:cxn ang="0">
+                <a:pos x="connsiteX1" y="connsiteY1"/>
+              </a:cxn>
+              <a:cxn ang="0">
+                <a:pos x="connsiteX2" y="connsiteY2"/>
+              </a:cxn>
+              <a:cxn ang="0">
+                <a:pos x="connsiteX3" y="connsiteY3"/>
+              </a:cxn>
+              <a:cxn ang="0">
+                <a:pos x="connsiteX4" y="connsiteY4"/>
+              </a:cxn>
+              <a:cxn ang="0">
+                <a:pos x="connsiteX5" y="connsiteY5"/>
+              </a:cxn>
+              <a:cxn ang="0">
+                <a:pos x="connsiteX6" y="connsiteY6"/>
+              </a:cxn>
+              <a:cxn ang="0">
+                <a:pos x="connsiteX7" y="connsiteY7"/>
+              </a:cxn>
+              <a:cxn ang="0">
+                <a:pos x="connsiteX8" y="connsiteY8"/>
+              </a:cxn>
+              <a:cxn ang="0">
+                <a:pos x="connsiteX9" y="connsiteY9"/>
+              </a:cxn>
+            </a:cxnLst>
+            <a:rect l="l" t="t" r="r" b="b"/>
+            <a:pathLst>
+              <a:path w="127713" h="127714">
+                <a:moveTo>
+                  <a:pt x="63857" y="18874"/>
+                </a:moveTo>
+                <a:cubicBezTo>
+                  <a:pt x="88700" y="18874"/>
+                  <a:pt x="108839" y="39014"/>
+                  <a:pt x="108839" y="63857"/>
+                </a:cubicBezTo>
+                <a:cubicBezTo>
+                  <a:pt x="108839" y="88700"/>
+                  <a:pt x="88700" y="108840"/>
+                  <a:pt x="63857" y="108840"/>
+                </a:cubicBezTo>
+                <a:cubicBezTo>
+                  <a:pt x="39013" y="108840"/>
+                  <a:pt x="18874" y="88700"/>
+                  <a:pt x="18874" y="63857"/>
+                </a:cubicBezTo>
+                <a:cubicBezTo>
+                  <a:pt x="18898" y="39024"/>
+                  <a:pt x="39023" y="18898"/>
+                  <a:pt x="63857" y="18874"/>
+                </a:cubicBezTo>
+                <a:moveTo>
+                  <a:pt x="63857" y="0"/>
+                </a:moveTo>
+                <a:cubicBezTo>
+                  <a:pt x="28590" y="0"/>
+                  <a:pt x="0" y="28590"/>
+                  <a:pt x="0" y="63857"/>
+                </a:cubicBezTo>
+                <a:cubicBezTo>
+                  <a:pt x="0" y="99124"/>
+                  <a:pt x="28590" y="127714"/>
+                  <a:pt x="63857" y="127714"/>
+                </a:cubicBezTo>
+                <a:cubicBezTo>
+                  <a:pt x="99124" y="127714"/>
+                  <a:pt x="127713" y="99124"/>
+                  <a:pt x="127713" y="63857"/>
+                </a:cubicBezTo>
+                <a:cubicBezTo>
+                  <a:pt x="127713" y="28590"/>
+                  <a:pt x="99124" y="0"/>
+                  <a:pt x="63857" y="0"/>
+                </a:cubicBezTo>
+                <a:close/>
+              </a:path>
+            </a:pathLst>
+          </a:custGeom>
+          <a:solidFill>
+            <a:schemeClr val="bg1"/>
+          </a:solidFill>
+          <a:ln w="610" cap="flat">
+            <a:noFill/>
+            <a:prstDash val="solid"/>
+            <a:miter/>
+          </a:ln>
+        </p:spPr>
+        <p:txBody>
+          <a:bodyPr rtlCol="0" anchor="ctr"/>
+          <a:lstStyle/>
+          <a:p>
+            <a:endParaRPr lang="en-US"/>
+          </a:p>
+        </p:txBody>
+      </p:sp>
+    </p:spTree>
+    <p:extLst>
+      <p:ext uri="{BB962C8B-B14F-4D97-AF65-F5344CB8AC3E}">
+        <p14:creationId xmlns:p14="http://schemas.microsoft.com/office/powerpoint/2010/main" val="2532487613"/>
+      </p:ext>
+    </p:extLst>
+  </p:cSld>
+  <p:clrMapOvr>
+    <a:masterClrMapping/>
+  </p:clrMapOvr>
+</p:sld>
+</file>
+
+<file path=ppt/slides/slide7.xml><?xml version="1.0" encoding="utf-8"?>
+<p:sld xmlns:a="http://schemas.openxmlformats.org/drawingml/2006/main" xmlns:r="http://schemas.openxmlformats.org/officeDocument/2006/relationships" xmlns:p="http://schemas.openxmlformats.org/presentationml/2006/main">
+  <p:cSld>
     <p:spTree>
       <p:nvGrpSpPr>
         <p:cNvPr id="1" name=""/>

--- a/СУГ-Р.pptx
+++ b/СУГ-Р.pptx
@@ -12,6 +12,7 @@
     <p:sldId id="260" r:id="rId6"/>
     <p:sldId id="262" r:id="rId7"/>
     <p:sldId id="261" r:id="rId8"/>
+    <p:sldId id="263" r:id="rId9"/>
   </p:sldIdLst>
   <p:sldSz cx="12192000" cy="6858000"/>
   <p:notesSz cx="6858000" cy="9144000"/>
@@ -10834,6 +10835,65 @@
 </p:sld>
 </file>
 
+<file path=ppt/slides/slide8.xml><?xml version="1.0" encoding="utf-8"?>
+<p:sld xmlns:a="http://schemas.openxmlformats.org/drawingml/2006/main" xmlns:r="http://schemas.openxmlformats.org/officeDocument/2006/relationships" xmlns:p="http://schemas.openxmlformats.org/presentationml/2006/main">
+  <p:cSld>
+    <p:spTree>
+      <p:nvGrpSpPr>
+        <p:cNvPr id="1" name=""/>
+        <p:cNvGrpSpPr/>
+        <p:nvPr/>
+      </p:nvGrpSpPr>
+      <p:grpSpPr>
+        <a:xfrm>
+          <a:off x="0" y="0"/>
+          <a:ext cx="0" cy="0"/>
+          <a:chOff x="0" y="0"/>
+          <a:chExt cx="0" cy="0"/>
+        </a:xfrm>
+      </p:grpSpPr>
+      <p:sp>
+        <p:nvSpPr>
+          <p:cNvPr id="2" name="Title 1">
+            <a:extLst>
+              <a:ext uri="{FF2B5EF4-FFF2-40B4-BE49-F238E27FC236}">
+                <a16:creationId xmlns:a16="http://schemas.microsoft.com/office/drawing/2014/main" id="{F972F63A-E691-18B3-42B2-C78F26E73A1A}"/>
+              </a:ext>
+            </a:extLst>
+          </p:cNvPr>
+          <p:cNvSpPr>
+            <a:spLocks noGrp="1"/>
+          </p:cNvSpPr>
+          <p:nvPr>
+            <p:ph type="title"/>
+          </p:nvPr>
+        </p:nvSpPr>
+        <p:spPr/>
+        <p:txBody>
+          <a:bodyPr/>
+          <a:lstStyle/>
+          <a:p>
+            <a:r>
+              <a:rPr lang="uk-UA" dirty="0"/>
+              <a:t>Дякую за увагу</a:t>
+            </a:r>
+            <a:endParaRPr lang="en-US" dirty="0"/>
+          </a:p>
+        </p:txBody>
+      </p:sp>
+    </p:spTree>
+    <p:extLst>
+      <p:ext uri="{BB962C8B-B14F-4D97-AF65-F5344CB8AC3E}">
+        <p14:creationId xmlns:p14="http://schemas.microsoft.com/office/powerpoint/2010/main" val="3385605"/>
+      </p:ext>
+    </p:extLst>
+  </p:cSld>
+  <p:clrMapOvr>
+    <a:masterClrMapping/>
+  </p:clrMapOvr>
+</p:sld>
+</file>
+
 <file path=ppt/theme/theme1.xml><?xml version="1.0" encoding="utf-8"?>
 <a:theme xmlns:a="http://schemas.openxmlformats.org/drawingml/2006/main" name="GradientVTI">
   <a:themeElements>
